--- a/ONIP/02_AM_traitement_1D/B3_0_Deroulement.pptx
+++ b/ONIP/02_AM_traitement_1D/B3_0_Deroulement.pptx
@@ -294,7 +294,7 @@
           <a:p>
             <a:fld id="{02AC24A9-CCB6-4F8D-B8DB-C2F3692CFA5A}" type="datetimeFigureOut">
               <a:rPr lang="en-US" smtClean="0"/>
-              <a:t>7/17/2024</a:t>
+              <a:t>10/5/2024</a:t>
             </a:fld>
             <a:endParaRPr lang="en-US" dirty="0"/>
           </a:p>
@@ -664,7 +664,7 @@
           <a:p>
             <a:fld id="{02AC24A9-CCB6-4F8D-B8DB-C2F3692CFA5A}" type="datetimeFigureOut">
               <a:rPr lang="en-US" smtClean="0"/>
-              <a:t>7/17/2024</a:t>
+              <a:t>10/5/2024</a:t>
             </a:fld>
             <a:endParaRPr lang="en-US"/>
           </a:p>
@@ -873,7 +873,7 @@
           <a:p>
             <a:fld id="{02AC24A9-CCB6-4F8D-B8DB-C2F3692CFA5A}" type="datetimeFigureOut">
               <a:rPr lang="en-US" smtClean="0"/>
-              <a:t>7/17/2024</a:t>
+              <a:t>10/5/2024</a:t>
             </a:fld>
             <a:endParaRPr lang="en-US"/>
           </a:p>
@@ -1343,7 +1343,7 @@
           <a:p>
             <a:fld id="{02AC24A9-CCB6-4F8D-B8DB-C2F3692CFA5A}" type="datetimeFigureOut">
               <a:rPr lang="en-US" smtClean="0"/>
-              <a:t>7/17/2024</a:t>
+              <a:t>10/5/2024</a:t>
             </a:fld>
             <a:endParaRPr lang="en-US"/>
           </a:p>
@@ -1797,7 +1797,7 @@
           <a:p>
             <a:fld id="{02AC24A9-CCB6-4F8D-B8DB-C2F3692CFA5A}" type="datetimeFigureOut">
               <a:rPr lang="en-US" smtClean="0"/>
-              <a:t>7/17/2024</a:t>
+              <a:t>10/5/2024</a:t>
             </a:fld>
             <a:endParaRPr lang="en-US"/>
           </a:p>
@@ -2329,7 +2329,7 @@
           <a:p>
             <a:fld id="{02AC24A9-CCB6-4F8D-B8DB-C2F3692CFA5A}" type="datetimeFigureOut">
               <a:rPr lang="en-US" smtClean="0"/>
-              <a:t>7/17/2024</a:t>
+              <a:t>10/5/2024</a:t>
             </a:fld>
             <a:endParaRPr lang="en-US"/>
           </a:p>
@@ -3028,7 +3028,7 @@
           <a:p>
             <a:fld id="{02AC24A9-CCB6-4F8D-B8DB-C2F3692CFA5A}" type="datetimeFigureOut">
               <a:rPr lang="en-US" smtClean="0"/>
-              <a:t>7/17/2024</a:t>
+              <a:t>10/5/2024</a:t>
             </a:fld>
             <a:endParaRPr lang="en-US"/>
           </a:p>
@@ -3357,7 +3357,7 @@
           <a:p>
             <a:fld id="{02AC24A9-CCB6-4F8D-B8DB-C2F3692CFA5A}" type="datetimeFigureOut">
               <a:rPr lang="en-US" smtClean="0"/>
-              <a:t>7/17/2024</a:t>
+              <a:t>10/5/2024</a:t>
             </a:fld>
             <a:endParaRPr lang="en-US"/>
           </a:p>
@@ -3470,7 +3470,7 @@
           <a:p>
             <a:fld id="{02AC24A9-CCB6-4F8D-B8DB-C2F3692CFA5A}" type="datetimeFigureOut">
               <a:rPr lang="en-US" smtClean="0"/>
-              <a:t>7/17/2024</a:t>
+              <a:t>10/5/2024</a:t>
             </a:fld>
             <a:endParaRPr lang="en-US"/>
           </a:p>
@@ -3965,7 +3965,7 @@
           <a:p>
             <a:fld id="{02AC24A9-CCB6-4F8D-B8DB-C2F3692CFA5A}" type="datetimeFigureOut">
               <a:rPr lang="en-US" smtClean="0"/>
-              <a:t>7/17/2024</a:t>
+              <a:t>10/5/2024</a:t>
             </a:fld>
             <a:endParaRPr lang="en-US" dirty="0"/>
           </a:p>
@@ -4442,7 +4442,7 @@
           <a:p>
             <a:fld id="{02AC24A9-CCB6-4F8D-B8DB-C2F3692CFA5A}" type="datetimeFigureOut">
               <a:rPr lang="en-US" smtClean="0"/>
-              <a:t>7/17/2024</a:t>
+              <a:t>10/5/2024</a:t>
             </a:fld>
             <a:endParaRPr lang="en-US"/>
           </a:p>
@@ -4685,7 +4685,7 @@
           <a:p>
             <a:fld id="{02AC24A9-CCB6-4F8D-B8DB-C2F3692CFA5A}" type="datetimeFigureOut">
               <a:rPr lang="en-US" smtClean="0"/>
-              <a:t>7/17/2024</a:t>
+              <a:t>10/5/2024</a:t>
             </a:fld>
             <a:endParaRPr lang="en-US"/>
           </a:p>
@@ -14836,8 +14836,8 @@
         </p:nvSpPr>
         <p:spPr>
           <a:xfrm>
-            <a:off x="3805083" y="6105067"/>
-            <a:ext cx="7600335" cy="646331"/>
+            <a:off x="3666744" y="6258955"/>
+            <a:ext cx="8238744" cy="338554"/>
           </a:xfrm>
           <a:prstGeom prst="rect">
             <a:avLst/>
@@ -14851,23 +14851,16 @@
           <a:lstStyle/>
           <a:p>
             <a:r>
-              <a:rPr lang="fr-FR" sz="1800" b="1" dirty="0">
+              <a:rPr lang="fr-FR" sz="1600" b="1" dirty="0">
                 <a:solidFill>
                   <a:srgbClr val="00B0F0"/>
                 </a:solidFill>
               </a:rPr>
-              <a:t>BONUS </a:t>
-            </a:r>
-            <a:r>
-              <a:rPr lang="fr-FR" sz="1800" b="1" dirty="0"/>
-              <a:t>: Générer de nouveaux fichiers de signaux modulés </a:t>
-            </a:r>
-            <a:br>
-              <a:rPr lang="fr-FR" sz="1800" b="1" dirty="0"/>
-            </a:br>
-            <a:r>
-              <a:rPr lang="fr-FR" sz="1800" b="1" dirty="0"/>
-              <a:t>				et les démoduler</a:t>
+              <a:t>Ouverture </a:t>
+            </a:r>
+            <a:r>
+              <a:rPr lang="fr-FR" sz="1600" b="1" dirty="0"/>
+              <a:t>: Générer de nouveaux fichiers de signaux modulés et les démoduler</a:t>
             </a:r>
           </a:p>
         </p:txBody>
